--- a/STI-muaremi_schurch-PRO2_presentation.pptx
+++ b/STI-muaremi_schurch-PRO2_presentation.pptx
@@ -887,7 +887,7 @@
             <a:fld id="{D57F1E4F-1CFF-5643-939E-217C01CDF565}" type="slidenum">
               <a:rPr lang="en-US" dirty="0"/>
               <a:pPr/>
-              <a:t>‹N°›</a:t>
+              <a:t>‹#›</a:t>
             </a:fld>
             <a:endParaRPr lang="en-US" dirty="0"/>
           </a:p>
@@ -1140,7 +1140,7 @@
             <a:fld id="{D57F1E4F-1CFF-5643-939E-217C01CDF565}" type="slidenum">
               <a:rPr lang="en-US" dirty="0"/>
               <a:pPr/>
-              <a:t>‹N°›</a:t>
+              <a:t>‹#›</a:t>
             </a:fld>
             <a:endParaRPr lang="en-US" dirty="0"/>
           </a:p>
@@ -1456,7 +1456,7 @@
             <a:fld id="{D57F1E4F-1CFF-5643-939E-217C01CDF565}" type="slidenum">
               <a:rPr lang="en-US" dirty="0"/>
               <a:pPr/>
-              <a:t>‹N°›</a:t>
+              <a:t>‹#›</a:t>
             </a:fld>
             <a:endParaRPr lang="en-US" dirty="0"/>
           </a:p>
@@ -1799,7 +1799,7 @@
             <a:fld id="{D57F1E4F-1CFF-5643-939E-217C01CDF565}" type="slidenum">
               <a:rPr lang="en-US" dirty="0"/>
               <a:pPr/>
-              <a:t>‹N°›</a:t>
+              <a:t>‹#›</a:t>
             </a:fld>
             <a:endParaRPr lang="en-US" dirty="0"/>
           </a:p>
@@ -2115,7 +2115,7 @@
             <a:fld id="{D57F1E4F-1CFF-5643-939E-217C01CDF565}" type="slidenum">
               <a:rPr lang="en-US" dirty="0"/>
               <a:pPr/>
-              <a:t>‹N°›</a:t>
+              <a:t>‹#›</a:t>
             </a:fld>
             <a:endParaRPr lang="en-US" dirty="0"/>
           </a:p>
@@ -2510,7 +2510,7 @@
             <a:fld id="{D57F1E4F-1CFF-5643-939E-217C01CDF565}" type="slidenum">
               <a:rPr lang="en-US" dirty="0"/>
               <a:pPr/>
-              <a:t>‹N°›</a:t>
+              <a:t>‹#›</a:t>
             </a:fld>
             <a:endParaRPr lang="en-US" dirty="0"/>
           </a:p>
@@ -2680,7 +2680,7 @@
           <a:p>
             <a:fld id="{89333C77-0158-454C-844F-B7AB9BD7DAD4}" type="slidenum">
               <a:rPr lang="en-US" dirty="0"/>
-              <a:t>‹N°›</a:t>
+              <a:t>‹#›</a:t>
             </a:fld>
             <a:endParaRPr lang="en-US" dirty="0"/>
           </a:p>
@@ -2862,7 +2862,7 @@
             <a:fld id="{D57F1E4F-1CFF-5643-939E-217C01CDF565}" type="slidenum">
               <a:rPr lang="en-US" dirty="0"/>
               <a:pPr/>
-              <a:t>‹N°›</a:t>
+              <a:t>‹#›</a:t>
             </a:fld>
             <a:endParaRPr lang="en-US" dirty="0"/>
           </a:p>
@@ -3040,7 +3040,7 @@
             <a:fld id="{D57F1E4F-1CFF-5643-939E-217C01CDF565}" type="slidenum">
               <a:rPr lang="en-US" dirty="0"/>
               <a:pPr/>
-              <a:t>‹N°›</a:t>
+              <a:t>‹#›</a:t>
             </a:fld>
             <a:endParaRPr lang="en-US" dirty="0"/>
           </a:p>
@@ -3289,7 +3289,7 @@
             <a:fld id="{D57F1E4F-1CFF-5643-939E-217C01CDF565}" type="slidenum">
               <a:rPr lang="en-US" dirty="0"/>
               <a:pPr/>
-              <a:t>‹N°›</a:t>
+              <a:t>‹#›</a:t>
             </a:fld>
             <a:endParaRPr lang="en-US" dirty="0"/>
           </a:p>
@@ -3521,7 +3521,7 @@
           <a:p>
             <a:fld id="{6FF9F0C5-380F-41C2-899A-BAC0F0927E16}" type="slidenum">
               <a:rPr lang="en-US" dirty="0"/>
-              <a:t>‹N°›</a:t>
+              <a:t>‹#›</a:t>
             </a:fld>
             <a:endParaRPr lang="en-US" dirty="0"/>
           </a:p>
@@ -3897,7 +3897,7 @@
             <a:fld id="{D57F1E4F-1CFF-5643-939E-217C01CDF565}" type="slidenum">
               <a:rPr lang="en-US" dirty="0"/>
               <a:pPr/>
-              <a:t>‹N°›</a:t>
+              <a:t>‹#›</a:t>
             </a:fld>
             <a:endParaRPr lang="en-US" dirty="0"/>
           </a:p>
@@ -4022,7 +4022,7 @@
             <a:fld id="{D57F1E4F-1CFF-5643-939E-217C01CDF565}" type="slidenum">
               <a:rPr lang="en-US" dirty="0"/>
               <a:pPr/>
-              <a:t>‹N°›</a:t>
+              <a:t>‹#›</a:t>
             </a:fld>
             <a:endParaRPr lang="en-US" dirty="0"/>
           </a:p>
@@ -4119,7 +4119,7 @@
             <a:fld id="{D57F1E4F-1CFF-5643-939E-217C01CDF565}" type="slidenum">
               <a:rPr lang="en-US" dirty="0"/>
               <a:pPr/>
-              <a:t>‹N°›</a:t>
+              <a:t>‹#›</a:t>
             </a:fld>
             <a:endParaRPr lang="en-US" dirty="0"/>
           </a:p>
@@ -4374,7 +4374,7 @@
           <a:p>
             <a:fld id="{519954A3-9DFD-4C44-94BA-B95130A3BA1C}" type="slidenum">
               <a:rPr lang="en-US" dirty="0"/>
-              <a:t>‹N°›</a:t>
+              <a:t>‹#›</a:t>
             </a:fld>
             <a:endParaRPr lang="en-US" dirty="0"/>
           </a:p>
@@ -4639,7 +4639,7 @@
             <a:fld id="{D57F1E4F-1CFF-5643-939E-217C01CDF565}" type="slidenum">
               <a:rPr lang="en-US" dirty="0"/>
               <a:pPr/>
-              <a:t>‹N°›</a:t>
+              <a:t>‹#›</a:t>
             </a:fld>
             <a:endParaRPr lang="en-US" dirty="0"/>
           </a:p>
@@ -5418,7 +5418,7 @@
             <a:fld id="{D57F1E4F-1CFF-5643-939E-217C01CDF565}" type="slidenum">
               <a:rPr lang="en-US" dirty="0"/>
               <a:pPr/>
-              <a:t>‹N°›</a:t>
+              <a:t>‹#›</a:t>
             </a:fld>
             <a:endParaRPr lang="en-US" dirty="0"/>
           </a:p>
@@ -6387,17 +6387,17 @@
             </a:r>
             <a:r>
               <a:rPr lang="fr-CH" dirty="0"/>
-              <a:t> de session)</a:t>
-            </a:r>
-          </a:p>
-          <a:p>
-            <a:pPr lvl="1"/>
-            <a:r>
-              <a:rPr lang="fr-CH" dirty="0"/>
-              <a:t>Injection SQL</a:t>
-            </a:r>
-          </a:p>
-          <a:p>
+              <a:t> de </a:t>
+            </a:r>
+            <a:r>
+              <a:rPr lang="fr-CH"/>
+              <a:t>session)</a:t>
+            </a:r>
+          </a:p>
+          <a:p>
+            <a:pPr marL="457200" lvl="1" indent="0">
+              <a:buNone/>
+            </a:pPr>
             <a:endParaRPr lang="fr-CH" dirty="0"/>
           </a:p>
           <a:p>
